--- a/Assignments/Assignment_6.pptx
+++ b/Assignments/Assignment_6.pptx
@@ -7549,9 +7549,33 @@
           </a:p>
         </p:txBody>
       </p:sp>
+      <p:pic>
+        <p:nvPicPr>
+          <p:cNvPr id="2" name="Picture 1" descr="Screenshot 2025-06-06 at 5.01.38 AM"/>
+          <p:cNvPicPr>
+            <a:picLocks noChangeAspect="1"/>
+          </p:cNvPicPr>
+          <p:nvPr/>
+        </p:nvPicPr>
+        <p:blipFill>
+          <a:blip r:embed="rId3"/>
+          <a:stretch>
+            <a:fillRect/>
+          </a:stretch>
+        </p:blipFill>
+        <p:spPr>
+          <a:xfrm>
+            <a:off x="1416685" y="1757680"/>
+            <a:ext cx="9544050" cy="3876675"/>
+          </a:xfrm>
+          <a:prstGeom prst="rect">
+            <a:avLst/>
+          </a:prstGeom>
+        </p:spPr>
+      </p:pic>
     </p:spTree>
     <p:custDataLst>
-      <p:tags r:id="rId3"/>
+      <p:tags r:id="rId4"/>
     </p:custDataLst>
   </p:cSld>
   <p:clrMapOvr>
@@ -7658,7 +7682,7 @@
       </p:sp>
       <p:pic>
         <p:nvPicPr>
-          <p:cNvPr id="3" name="Picture 2" descr="Screenshot 2025-05-17 at 4.31.58 PM"/>
+          <p:cNvPr id="4" name="Picture 3" descr="Screenshot 2025-06-06 at 5.50.06 AM"/>
           <p:cNvPicPr>
             <a:picLocks noChangeAspect="1"/>
           </p:cNvPicPr>
@@ -7666,14 +7690,15 @@
         </p:nvPicPr>
         <p:blipFill>
           <a:blip r:embed="rId2"/>
+          <a:srcRect l="18936" t="6654" r="16248"/>
           <a:stretch>
             <a:fillRect/>
           </a:stretch>
         </p:blipFill>
         <p:spPr>
           <a:xfrm>
-            <a:off x="222250" y="1163955"/>
-            <a:ext cx="5758815" cy="4316095"/>
+            <a:off x="137795" y="933450"/>
+            <a:ext cx="4364355" cy="5767070"/>
           </a:xfrm>
           <a:prstGeom prst="rect">
             <a:avLst/>
@@ -7682,7 +7707,7 @@
       </p:pic>
       <p:pic>
         <p:nvPicPr>
-          <p:cNvPr id="5" name="Picture 4" descr="Screenshot 2025-05-17 at 4.32.26 PM"/>
+          <p:cNvPr id="7" name="Picture 6" descr="Screenshot 2025-06-06 at 5.50.36 AM"/>
           <p:cNvPicPr>
             <a:picLocks noChangeAspect="1"/>
           </p:cNvPicPr>
@@ -7696,8 +7721,8 @@
         </p:blipFill>
         <p:spPr>
           <a:xfrm>
-            <a:off x="7023100" y="76835"/>
-            <a:ext cx="2869565" cy="3974465"/>
+            <a:off x="4780915" y="76835"/>
+            <a:ext cx="3529965" cy="3352800"/>
           </a:xfrm>
           <a:prstGeom prst="rect">
             <a:avLst/>
@@ -7706,7 +7731,7 @@
       </p:pic>
       <p:pic>
         <p:nvPicPr>
-          <p:cNvPr id="6" name="Picture 5" descr="Screenshot 2025-05-17 at 4.32.48 PM"/>
+          <p:cNvPr id="9" name="Picture 8" descr="Screenshot 2025-06-06 at 5.51.35 AM"/>
           <p:cNvPicPr>
             <a:picLocks noChangeAspect="1"/>
           </p:cNvPicPr>
@@ -7720,14 +7745,50 @@
         </p:blipFill>
         <p:spPr>
           <a:xfrm>
-            <a:off x="6283960" y="4357370"/>
-            <a:ext cx="5621020" cy="2137410"/>
+            <a:off x="4780915" y="3545205"/>
+            <a:ext cx="4434840" cy="3155315"/>
           </a:xfrm>
           <a:prstGeom prst="rect">
             <a:avLst/>
           </a:prstGeom>
         </p:spPr>
       </p:pic>
+      <p:sp>
+        <p:nvSpPr>
+          <p:cNvPr id="10" name="Text Box 9"/>
+          <p:cNvSpPr txBox="1"/>
+          <p:nvPr/>
+        </p:nvSpPr>
+        <p:spPr>
+          <a:xfrm>
+            <a:off x="8480425" y="255270"/>
+            <a:ext cx="3336925" cy="2233930"/>
+          </a:xfrm>
+          <a:prstGeom prst="rect">
+            <a:avLst/>
+          </a:prstGeom>
+          <a:noFill/>
+        </p:spPr>
+        <p:txBody>
+          <a:bodyPr wrap="square" rtlCol="0" anchor="t">
+            <a:noAutofit/>
+          </a:bodyPr>
+          <a:p>
+            <a:r>
+              <a:rPr lang="en-US" altLang="en-US"/>
+              <a:t>https://github.com/McLight-Note/Web-Programming-UNI/tree/main/Assignments/9-dars</a:t>
+            </a:r>
+            <a:endParaRPr lang="en-US" altLang="en-US"/>
+          </a:p>
+          <a:p>
+            <a:r>
+              <a:rPr lang="en-US"/>
+              <a:t>Here is the Github for all the codes, need to take a lot of screenshots. Instead i posted a link here!</a:t>
+            </a:r>
+            <a:endParaRPr lang="en-US"/>
+          </a:p>
+        </p:txBody>
+      </p:sp>
     </p:spTree>
     <p:custDataLst>
       <p:tags r:id="rId5"/>
@@ -7963,7 +8024,7 @@
       </p:sp>
       <p:pic>
         <p:nvPicPr>
-          <p:cNvPr id="2" name="Picture 1" descr="Screenshot 2025-05-17 at 4.35.47 PM"/>
+          <p:cNvPr id="3" name="Picture 2" descr="Screenshot 2025-06-06 at 5.48.14 AM"/>
           <p:cNvPicPr>
             <a:picLocks noChangeAspect="1"/>
           </p:cNvPicPr>
@@ -7977,8 +8038,8 @@
         </p:blipFill>
         <p:spPr>
           <a:xfrm>
-            <a:off x="1913255" y="1388745"/>
-            <a:ext cx="8115300" cy="3822700"/>
+            <a:off x="2800350" y="1031240"/>
+            <a:ext cx="6591300" cy="5048250"/>
           </a:xfrm>
           <a:prstGeom prst="rect">
             <a:avLst/>
